--- a/Networked System and Applications/week20/EENGM0009-3-10-IoT-RPL DODAG Maintenance(1).pptx
+++ b/Networked System and Applications/week20/EENGM0009-3-10-IoT-RPL DODAG Maintenance(1).pptx
@@ -448,6 +448,30 @@
     </pc:docChg>
   </pc:docChgLst>
   <pc:docChgLst>
+    <pc:chgData name="George Oikonomou" userId="e5e5709f-5788-4bb9-a2cb-c47cfc333c75" providerId="ADAL" clId="{1B7D98AA-CC5B-EB41-9C90-FC0B379F02E1}"/>
+    <pc:docChg chg="modSld">
+      <pc:chgData name="George Oikonomou" userId="e5e5709f-5788-4bb9-a2cb-c47cfc333c75" providerId="ADAL" clId="{1B7D98AA-CC5B-EB41-9C90-FC0B379F02E1}" dt="2021-03-01T20:17:53.127" v="0"/>
+      <pc:docMkLst>
+        <pc:docMk/>
+      </pc:docMkLst>
+      <pc:sldChg chg="modSp">
+        <pc:chgData name="George Oikonomou" userId="e5e5709f-5788-4bb9-a2cb-c47cfc333c75" providerId="ADAL" clId="{1B7D98AA-CC5B-EB41-9C90-FC0B379F02E1}" dt="2021-03-01T20:17:53.127" v="0"/>
+        <pc:sldMkLst>
+          <pc:docMk/>
+          <pc:sldMk cId="1128628745" sldId="376"/>
+        </pc:sldMkLst>
+        <pc:spChg chg="mod">
+          <ac:chgData name="George Oikonomou" userId="e5e5709f-5788-4bb9-a2cb-c47cfc333c75" providerId="ADAL" clId="{1B7D98AA-CC5B-EB41-9C90-FC0B379F02E1}" dt="2021-03-01T20:17:53.127" v="0"/>
+          <ac:spMkLst>
+            <pc:docMk/>
+            <pc:sldMk cId="1128628745" sldId="376"/>
+            <ac:spMk id="4098" creationId="{00000000-0000-0000-0000-000000000000}"/>
+          </ac:spMkLst>
+        </pc:spChg>
+      </pc:sldChg>
+    </pc:docChg>
+  </pc:docChgLst>
+  <pc:docChgLst>
     <pc:chgData name="George Oikonomou" userId="e5e5709f-5788-4bb9-a2cb-c47cfc333c75" providerId="ADAL" clId="{E1372E27-8494-A546-944D-CE4F68A15D2F}"/>
     <pc:docChg chg="undo custSel modSld sldOrd">
       <pc:chgData name="George Oikonomou" userId="e5e5709f-5788-4bb9-a2cb-c47cfc333c75" providerId="ADAL" clId="{E1372E27-8494-A546-944D-CE4F68A15D2F}" dt="2020-02-24T17:42:04.918" v="393" actId="20577"/>
@@ -508,30 +532,6 @@
       </pc:sldChg>
     </pc:docChg>
   </pc:docChgLst>
-  <pc:docChgLst>
-    <pc:chgData name="George Oikonomou" userId="e5e5709f-5788-4bb9-a2cb-c47cfc333c75" providerId="ADAL" clId="{1B7D98AA-CC5B-EB41-9C90-FC0B379F02E1}"/>
-    <pc:docChg chg="modSld">
-      <pc:chgData name="George Oikonomou" userId="e5e5709f-5788-4bb9-a2cb-c47cfc333c75" providerId="ADAL" clId="{1B7D98AA-CC5B-EB41-9C90-FC0B379F02E1}" dt="2021-03-01T20:17:53.127" v="0"/>
-      <pc:docMkLst>
-        <pc:docMk/>
-      </pc:docMkLst>
-      <pc:sldChg chg="modSp">
-        <pc:chgData name="George Oikonomou" userId="e5e5709f-5788-4bb9-a2cb-c47cfc333c75" providerId="ADAL" clId="{1B7D98AA-CC5B-EB41-9C90-FC0B379F02E1}" dt="2021-03-01T20:17:53.127" v="0"/>
-        <pc:sldMkLst>
-          <pc:docMk/>
-          <pc:sldMk cId="1128628745" sldId="376"/>
-        </pc:sldMkLst>
-        <pc:spChg chg="mod">
-          <ac:chgData name="George Oikonomou" userId="e5e5709f-5788-4bb9-a2cb-c47cfc333c75" providerId="ADAL" clId="{1B7D98AA-CC5B-EB41-9C90-FC0B379F02E1}" dt="2021-03-01T20:17:53.127" v="0"/>
-          <ac:spMkLst>
-            <pc:docMk/>
-            <pc:sldMk cId="1128628745" sldId="376"/>
-            <ac:spMk id="4098" creationId="{00000000-0000-0000-0000-000000000000}"/>
-          </ac:spMkLst>
-        </pc:spChg>
-      </pc:sldChg>
-    </pc:docChg>
-  </pc:docChgLst>
 </pc:chgInfo>
 </file>
 
@@ -582,14 +582,14 @@
           </a:ln>
           <a:extLst>
             <a:ext uri="{909E8E84-426E-40dd-AFC4-6F175D3DCCD1}">
-              <a14:hiddenFill xmlns="" xmlns:a14="http://schemas.microsoft.com/office/drawing/2010/main">
+              <a14:hiddenFill xmlns:a14="http://schemas.microsoft.com/office/drawing/2010/main" xmlns="">
                 <a:solidFill>
                   <a:srgbClr val="FFFFFF"/>
                 </a:solidFill>
               </a14:hiddenFill>
             </a:ext>
             <a:ext uri="{91240B29-F687-4f45-9708-019B960494DF}">
-              <a14:hiddenLine xmlns="" xmlns:a14="http://schemas.microsoft.com/office/drawing/2010/main" w="12700">
+              <a14:hiddenLine xmlns:a14="http://schemas.microsoft.com/office/drawing/2010/main" xmlns="" w="12700">
                 <a:solidFill>
                   <a:srgbClr val="000000"/>
                 </a:solidFill>
@@ -730,14 +730,14 @@
           </a:ln>
           <a:extLst>
             <a:ext uri="{909E8E84-426E-40dd-AFC4-6F175D3DCCD1}">
-              <a14:hiddenFill xmlns="" xmlns:a14="http://schemas.microsoft.com/office/drawing/2010/main">
+              <a14:hiddenFill xmlns:a14="http://schemas.microsoft.com/office/drawing/2010/main" xmlns="">
                 <a:solidFill>
                   <a:srgbClr val="FFFFFF"/>
                 </a:solidFill>
               </a14:hiddenFill>
             </a:ext>
             <a:ext uri="{91240B29-F687-4f45-9708-019B960494DF}">
-              <a14:hiddenLine xmlns="" xmlns:a14="http://schemas.microsoft.com/office/drawing/2010/main" w="12700">
+              <a14:hiddenLine xmlns:a14="http://schemas.microsoft.com/office/drawing/2010/main" xmlns="" w="12700">
                 <a:solidFill>
                   <a:srgbClr val="000000"/>
                 </a:solidFill>
@@ -1109,7 +1109,7 @@
           </a:ln>
           <a:extLst>
             <a:ext uri="{909E8E84-426E-40dd-AFC4-6F175D3DCCD1}">
-              <a14:hiddenFill xmlns="" xmlns:a14="http://schemas.microsoft.com/office/drawing/2010/main">
+              <a14:hiddenFill xmlns:a14="http://schemas.microsoft.com/office/drawing/2010/main" xmlns="">
                 <a:solidFill>
                   <a:srgbClr val="FFFFFF"/>
                 </a:solidFill>
@@ -1298,14 +1298,14 @@
           <a:ln w="9525"/>
           <a:extLst>
             <a:ext uri="{909E8E84-426E-40dd-AFC4-6F175D3DCCD1}">
-              <a14:hiddenFill xmlns="" xmlns:a14="http://schemas.microsoft.com/office/drawing/2010/main">
+              <a14:hiddenFill xmlns:a14="http://schemas.microsoft.com/office/drawing/2010/main" xmlns="">
                 <a:solidFill>
                   <a:srgbClr val="FFFFFF"/>
                 </a:solidFill>
               </a14:hiddenFill>
             </a:ext>
             <a:ext uri="{91240B29-F687-4f45-9708-019B960494DF}">
-              <a14:hiddenLine xmlns="" xmlns:a14="http://schemas.microsoft.com/office/drawing/2010/main" w="9525">
+              <a14:hiddenLine xmlns:a14="http://schemas.microsoft.com/office/drawing/2010/main" xmlns="" w="9525">
                 <a:solidFill>
                   <a:srgbClr val="000000"/>
                 </a:solidFill>
@@ -4641,7 +4641,7 @@
           <a:noFill/>
           <a:extLst>
             <a:ext uri="{909E8E84-426E-40dd-AFC4-6F175D3DCCD1}">
-              <a14:hiddenFill xmlns="" xmlns:a14="http://schemas.microsoft.com/office/drawing/2010/main">
+              <a14:hiddenFill xmlns:a14="http://schemas.microsoft.com/office/drawing/2010/main" xmlns="">
                 <a:solidFill>
                   <a:srgbClr val="FFFFFF"/>
                 </a:solidFill>
